--- a/Nakitare_capstone_project/(3) powerpoint presentation autobiography.pptx
+++ b/Nakitare_capstone_project/(3) powerpoint presentation autobiography.pptx
@@ -5,19 +5,19 @@
     <p:sldMasterId id="2147483648" r:id="rId1"/>
   </p:sldMasterIdLst>
   <p:sldIdLst>
-    <p:sldId id="256" r:id="rId3"/>
-    <p:sldId id="257" r:id="rId4"/>
-    <p:sldId id="258" r:id="rId5"/>
-    <p:sldId id="259" r:id="rId6"/>
-    <p:sldId id="261" r:id="rId7"/>
-    <p:sldId id="263" r:id="rId8"/>
-    <p:sldId id="264" r:id="rId9"/>
-    <p:sldId id="265" r:id="rId10"/>
-    <p:sldId id="266" r:id="rId11"/>
-    <p:sldId id="268" r:id="rId12"/>
-    <p:sldId id="269" r:id="rId13"/>
-    <p:sldId id="270" r:id="rId14"/>
-    <p:sldId id="267" r:id="rId15"/>
+    <p:sldId id="256" r:id="rId2"/>
+    <p:sldId id="257" r:id="rId3"/>
+    <p:sldId id="258" r:id="rId4"/>
+    <p:sldId id="259" r:id="rId5"/>
+    <p:sldId id="261" r:id="rId6"/>
+    <p:sldId id="263" r:id="rId7"/>
+    <p:sldId id="264" r:id="rId8"/>
+    <p:sldId id="265" r:id="rId9"/>
+    <p:sldId id="266" r:id="rId10"/>
+    <p:sldId id="268" r:id="rId11"/>
+    <p:sldId id="269" r:id="rId12"/>
+    <p:sldId id="270" r:id="rId13"/>
+    <p:sldId id="267" r:id="rId14"/>
   </p:sldIdLst>
   <p:sldSz cx="12192000" cy="6858000"/>
   <p:notesSz cx="6858000" cy="9144000"/>
@@ -116,6 +116,11 @@
       </a:defRPr>
     </a:lvl9pPr>
   </p:defaultTextStyle>
+  <p:extLst>
+    <p:ext uri="{EFAFB233-063F-42B5-8137-9DF3F51BA10A}">
+      <p15:sldGuideLst xmlns:p15="http://schemas.microsoft.com/office/powerpoint/2012/main"/>
+    </p:ext>
+  </p:extLst>
 </p:presentation>
 </file>
 
@@ -633,6 +638,7 @@
           <a:p>
             <a:fld id="{5923F103-BC34-4FE4-A40E-EDDEECFDA5D0}" type="datetimeFigureOut">
               <a:rPr lang="en-US" smtClean="0"/>
+              <a:t>4/26/2024</a:t>
             </a:fld>
             <a:endParaRPr lang="en-US" dirty="0"/>
           </a:p>
@@ -734,6 +740,7 @@
           <a:p>
             <a:fld id="{D57F1E4F-1CFF-5643-939E-217C01CDF565}" type="slidenum">
               <a:rPr lang="en-US" smtClean="0"/>
+              <a:t>‹#›</a:t>
             </a:fld>
             <a:endParaRPr lang="en-US" dirty="0"/>
           </a:p>
@@ -1588,7 +1595,6 @@
               <a:rPr lang="en-US"/>
               <a:t>Edit Master text styles</a:t>
             </a:r>
-            <a:endParaRPr lang="en-US"/>
           </a:p>
         </p:txBody>
       </p:sp>
@@ -1609,6 +1615,7 @@
           <a:p>
             <a:fld id="{923A1CC3-2375-41D4-9E03-427CAF2A4C1A}" type="datetimeFigureOut">
               <a:rPr lang="en-US" smtClean="0"/>
+              <a:t>4/26/2024</a:t>
             </a:fld>
             <a:endParaRPr lang="en-US" dirty="0"/>
           </a:p>
@@ -1686,6 +1693,7 @@
           <a:p>
             <a:fld id="{D57F1E4F-1CFF-5643-939E-217C01CDF565}" type="slidenum">
               <a:rPr lang="en-US" smtClean="0"/>
+              <a:t>‹#›</a:t>
             </a:fld>
             <a:endParaRPr lang="en-US" dirty="0"/>
           </a:p>
@@ -2452,7 +2460,6 @@
               <a:rPr lang="en-US"/>
               <a:t>Edit Master text styles</a:t>
             </a:r>
-            <a:endParaRPr lang="en-US"/>
           </a:p>
         </p:txBody>
       </p:sp>
@@ -2473,6 +2480,7 @@
           <a:p>
             <a:fld id="{AFF16868-8199-4C2C-A5B1-63AEE139F88E}" type="datetimeFigureOut">
               <a:rPr lang="en-US" smtClean="0"/>
+              <a:t>4/26/2024</a:t>
             </a:fld>
             <a:endParaRPr lang="en-US" dirty="0"/>
           </a:p>
@@ -2550,6 +2558,7 @@
           <a:p>
             <a:fld id="{D57F1E4F-1CFF-5643-939E-217C01CDF565}" type="slidenum">
               <a:rPr lang="en-US" smtClean="0"/>
+              <a:t>‹#›</a:t>
             </a:fld>
             <a:endParaRPr lang="en-US" dirty="0"/>
           </a:p>
@@ -3267,14 +3276,6 @@
               </a:rPr>
               <a:t>“</a:t>
             </a:r>
-            <a:endParaRPr lang="en-US" sz="9600" dirty="0">
-              <a:solidFill>
-                <a:schemeClr val="tx2">
-                  <a:lumMod val="40000"/>
-                  <a:lumOff val="60000"/>
-                </a:schemeClr>
-              </a:solidFill>
-            </a:endParaRPr>
           </a:p>
         </p:txBody>
       </p:sp>
@@ -3328,14 +3329,6 @@
               </a:rPr>
               <a:t>”</a:t>
             </a:r>
-            <a:endParaRPr lang="en-US" sz="9600" dirty="0">
-              <a:solidFill>
-                <a:schemeClr val="tx2">
-                  <a:lumMod val="40000"/>
-                  <a:lumOff val="60000"/>
-                </a:schemeClr>
-              </a:solidFill>
-            </a:endParaRPr>
           </a:p>
         </p:txBody>
       </p:sp>
@@ -3416,7 +3409,6 @@
               <a:rPr lang="en-US"/>
               <a:t>Edit Master text styles</a:t>
             </a:r>
-            <a:endParaRPr lang="en-US"/>
           </a:p>
         </p:txBody>
       </p:sp>
@@ -3484,7 +3476,6 @@
               <a:rPr lang="en-US"/>
               <a:t>Edit Master text styles</a:t>
             </a:r>
-            <a:endParaRPr lang="en-US"/>
           </a:p>
         </p:txBody>
       </p:sp>
@@ -3505,6 +3496,7 @@
           <a:p>
             <a:fld id="{2BE451C3-0FF4-47C4-B829-773ADF60F88C}" type="datetimeFigureOut">
               <a:rPr lang="en-US" smtClean="0"/>
+              <a:t>4/26/2024</a:t>
             </a:fld>
             <a:endParaRPr lang="en-US" dirty="0"/>
           </a:p>
@@ -3582,6 +3574,7 @@
           <a:p>
             <a:fld id="{D57F1E4F-1CFF-5643-939E-217C01CDF565}" type="slidenum">
               <a:rPr lang="en-US" smtClean="0"/>
+              <a:t>‹#›</a:t>
             </a:fld>
             <a:endParaRPr lang="en-US" dirty="0"/>
           </a:p>
@@ -4399,7 +4392,6 @@
               <a:rPr lang="en-US"/>
               <a:t>Edit Master text styles</a:t>
             </a:r>
-            <a:endParaRPr lang="en-US"/>
           </a:p>
         </p:txBody>
       </p:sp>
@@ -4420,6 +4412,7 @@
           <a:p>
             <a:fld id="{5C12C299-16B2-4475-990D-751901EACC14}" type="datetimeFigureOut">
               <a:rPr lang="en-US" smtClean="0"/>
+              <a:t>4/26/2024</a:t>
             </a:fld>
             <a:endParaRPr lang="en-US" dirty="0"/>
           </a:p>
@@ -4497,6 +4490,7 @@
           <a:p>
             <a:fld id="{D57F1E4F-1CFF-5643-939E-217C01CDF565}" type="slidenum">
               <a:rPr lang="en-US" smtClean="0"/>
+              <a:t>‹#›</a:t>
             </a:fld>
             <a:endParaRPr lang="en-US" dirty="0"/>
           </a:p>
@@ -4630,7 +4624,6 @@
               <a:rPr lang="en-US"/>
               <a:t>Edit Master text styles</a:t>
             </a:r>
-            <a:endParaRPr lang="en-US"/>
           </a:p>
         </p:txBody>
       </p:sp>
@@ -4698,7 +4691,6 @@
               <a:rPr lang="en-US"/>
               <a:t>Edit Master text styles</a:t>
             </a:r>
-            <a:endParaRPr lang="en-US"/>
           </a:p>
         </p:txBody>
       </p:sp>
@@ -4770,7 +4762,6 @@
               <a:rPr lang="en-US"/>
               <a:t>Edit Master text styles</a:t>
             </a:r>
-            <a:endParaRPr lang="en-US"/>
           </a:p>
         </p:txBody>
       </p:sp>
@@ -4838,7 +4829,6 @@
               <a:rPr lang="en-US"/>
               <a:t>Edit Master text styles</a:t>
             </a:r>
-            <a:endParaRPr lang="en-US"/>
           </a:p>
         </p:txBody>
       </p:sp>
@@ -4910,7 +4900,6 @@
               <a:rPr lang="en-US"/>
               <a:t>Edit Master text styles</a:t>
             </a:r>
-            <a:endParaRPr lang="en-US"/>
           </a:p>
         </p:txBody>
       </p:sp>
@@ -4978,7 +4967,6 @@
               <a:rPr lang="en-US"/>
               <a:t>Edit Master text styles</a:t>
             </a:r>
-            <a:endParaRPr lang="en-US"/>
           </a:p>
         </p:txBody>
       </p:sp>
@@ -5075,6 +5063,7 @@
           <a:p>
             <a:fld id="{9FE86839-B9D8-4651-8783-F325ECE74E65}" type="datetimeFigureOut">
               <a:rPr lang="en-US" smtClean="0"/>
+              <a:t>4/26/2024</a:t>
             </a:fld>
             <a:endParaRPr lang="en-US" dirty="0"/>
           </a:p>
@@ -5116,6 +5105,7 @@
           <a:p>
             <a:fld id="{D57F1E4F-1CFF-5643-939E-217C01CDF565}" type="slidenum">
               <a:rPr lang="en-US" smtClean="0"/>
+              <a:t>‹#›</a:t>
             </a:fld>
             <a:endParaRPr lang="en-US" dirty="0"/>
           </a:p>
@@ -5249,7 +5239,6 @@
               <a:rPr lang="en-US"/>
               <a:t>Edit Master text styles</a:t>
             </a:r>
-            <a:endParaRPr lang="en-US"/>
           </a:p>
         </p:txBody>
       </p:sp>
@@ -5396,7 +5385,6 @@
               <a:rPr lang="en-US"/>
               <a:t>Edit Master text styles</a:t>
             </a:r>
-            <a:endParaRPr lang="en-US"/>
           </a:p>
         </p:txBody>
       </p:sp>
@@ -5468,7 +5456,6 @@
               <a:rPr lang="en-US"/>
               <a:t>Edit Master text styles</a:t>
             </a:r>
-            <a:endParaRPr lang="en-US"/>
           </a:p>
         </p:txBody>
       </p:sp>
@@ -5615,7 +5602,6 @@
               <a:rPr lang="en-US"/>
               <a:t>Edit Master text styles</a:t>
             </a:r>
-            <a:endParaRPr lang="en-US"/>
           </a:p>
         </p:txBody>
       </p:sp>
@@ -5687,7 +5673,6 @@
               <a:rPr lang="en-US"/>
               <a:t>Edit Master text styles</a:t>
             </a:r>
-            <a:endParaRPr lang="en-US"/>
           </a:p>
         </p:txBody>
       </p:sp>
@@ -5834,7 +5819,6 @@
               <a:rPr lang="en-US"/>
               <a:t>Edit Master text styles</a:t>
             </a:r>
-            <a:endParaRPr lang="en-US"/>
           </a:p>
         </p:txBody>
       </p:sp>
@@ -5931,6 +5915,7 @@
           <a:p>
             <a:fld id="{FD484F64-32F6-45C5-931F-ADC1662401D0}" type="datetimeFigureOut">
               <a:rPr lang="en-US" smtClean="0"/>
+              <a:t>4/26/2024</a:t>
             </a:fld>
             <a:endParaRPr lang="en-US" dirty="0"/>
           </a:p>
@@ -5972,6 +5957,7 @@
           <a:p>
             <a:fld id="{D57F1E4F-1CFF-5643-939E-217C01CDF565}" type="slidenum">
               <a:rPr lang="en-US" smtClean="0"/>
+              <a:t>‹#›</a:t>
             </a:fld>
             <a:endParaRPr lang="en-US" dirty="0"/>
           </a:p>
@@ -6058,7 +6044,6 @@
               <a:rPr lang="en-US"/>
               <a:t>Edit Master text styles</a:t>
             </a:r>
-            <a:endParaRPr lang="en-US"/>
           </a:p>
           <a:p>
             <a:pPr lvl="1"/>
@@ -6066,7 +6051,6 @@
               <a:rPr lang="en-US"/>
               <a:t>Second level</a:t>
             </a:r>
-            <a:endParaRPr lang="en-US"/>
           </a:p>
           <a:p>
             <a:pPr lvl="2"/>
@@ -6074,7 +6058,6 @@
               <a:rPr lang="en-US"/>
               <a:t>Third level</a:t>
             </a:r>
-            <a:endParaRPr lang="en-US"/>
           </a:p>
           <a:p>
             <a:pPr lvl="3"/>
@@ -6082,7 +6065,6 @@
               <a:rPr lang="en-US"/>
               <a:t>Fourth level</a:t>
             </a:r>
-            <a:endParaRPr lang="en-US"/>
           </a:p>
           <a:p>
             <a:pPr lvl="4"/>
@@ -6111,6 +6093,7 @@
           <a:p>
             <a:fld id="{53086D93-FCAC-47E0-A2EE-787E62CA814C}" type="datetimeFigureOut">
               <a:rPr lang="en-US" smtClean="0"/>
+              <a:t>4/26/2024</a:t>
             </a:fld>
             <a:endParaRPr lang="en-US" dirty="0"/>
           </a:p>
@@ -6152,6 +6135,7 @@
           <a:p>
             <a:fld id="{D57F1E4F-1CFF-5643-939E-217C01CDF565}" type="slidenum">
               <a:rPr lang="en-US" smtClean="0"/>
+              <a:t>‹#›</a:t>
             </a:fld>
             <a:endParaRPr lang="en-US" dirty="0"/>
           </a:p>
@@ -6912,7 +6896,6 @@
               <a:rPr lang="en-US"/>
               <a:t>Edit Master text styles</a:t>
             </a:r>
-            <a:endParaRPr lang="en-US"/>
           </a:p>
           <a:p>
             <a:pPr lvl="1"/>
@@ -6920,7 +6903,6 @@
               <a:rPr lang="en-US"/>
               <a:t>Second level</a:t>
             </a:r>
-            <a:endParaRPr lang="en-US"/>
           </a:p>
           <a:p>
             <a:pPr lvl="2"/>
@@ -6928,7 +6910,6 @@
               <a:rPr lang="en-US"/>
               <a:t>Third level</a:t>
             </a:r>
-            <a:endParaRPr lang="en-US"/>
           </a:p>
           <a:p>
             <a:pPr lvl="3"/>
@@ -6936,7 +6917,6 @@
               <a:rPr lang="en-US"/>
               <a:t>Fourth level</a:t>
             </a:r>
-            <a:endParaRPr lang="en-US"/>
           </a:p>
           <a:p>
             <a:pPr lvl="4"/>
@@ -6965,6 +6945,7 @@
           <a:p>
             <a:fld id="{CDA879A6-0FD0-4734-A311-86BFCA472E6E}" type="datetimeFigureOut">
               <a:rPr lang="en-US" smtClean="0"/>
+              <a:t>4/26/2024</a:t>
             </a:fld>
             <a:endParaRPr lang="en-US" dirty="0"/>
           </a:p>
@@ -7042,6 +7023,7 @@
           <a:p>
             <a:fld id="{D57F1E4F-1CFF-5643-939E-217C01CDF565}" type="slidenum">
               <a:rPr lang="en-US" smtClean="0"/>
+              <a:t>‹#›</a:t>
             </a:fld>
             <a:endParaRPr lang="en-US" dirty="0"/>
           </a:p>
@@ -7128,7 +7110,6 @@
               <a:rPr lang="en-US"/>
               <a:t>Edit Master text styles</a:t>
             </a:r>
-            <a:endParaRPr lang="en-US"/>
           </a:p>
           <a:p>
             <a:pPr lvl="1"/>
@@ -7136,7 +7117,6 @@
               <a:rPr lang="en-US"/>
               <a:t>Second level</a:t>
             </a:r>
-            <a:endParaRPr lang="en-US"/>
           </a:p>
           <a:p>
             <a:pPr lvl="2"/>
@@ -7144,7 +7124,6 @@
               <a:rPr lang="en-US"/>
               <a:t>Third level</a:t>
             </a:r>
-            <a:endParaRPr lang="en-US"/>
           </a:p>
           <a:p>
             <a:pPr lvl="3"/>
@@ -7152,7 +7131,6 @@
               <a:rPr lang="en-US"/>
               <a:t>Fourth level</a:t>
             </a:r>
-            <a:endParaRPr lang="en-US"/>
           </a:p>
           <a:p>
             <a:pPr lvl="4"/>
@@ -7181,6 +7159,7 @@
           <a:p>
             <a:fld id="{19C9CA7B-DFD4-44B5-8C60-D14B8CD1FB59}" type="datetimeFigureOut">
               <a:rPr lang="en-US" smtClean="0"/>
+              <a:t>4/26/2024</a:t>
             </a:fld>
             <a:endParaRPr lang="en-US" dirty="0"/>
           </a:p>
@@ -7226,6 +7205,7 @@
           <a:p>
             <a:fld id="{D57F1E4F-1CFF-5643-939E-217C01CDF565}" type="slidenum">
               <a:rPr lang="en-US" smtClean="0"/>
+              <a:t>‹#›</a:t>
             </a:fld>
             <a:endParaRPr lang="en-US" dirty="0"/>
           </a:p>
@@ -8079,7 +8059,6 @@
               <a:rPr lang="en-US"/>
               <a:t>Edit Master text styles</a:t>
             </a:r>
-            <a:endParaRPr lang="en-US"/>
           </a:p>
         </p:txBody>
       </p:sp>
@@ -8100,6 +8079,7 @@
           <a:p>
             <a:fld id="{F34E6425-0181-43F2-84FC-787E803FD2F8}" type="datetimeFigureOut">
               <a:rPr lang="en-US" smtClean="0"/>
+              <a:t>4/26/2024</a:t>
             </a:fld>
             <a:endParaRPr lang="en-US" dirty="0"/>
           </a:p>
@@ -8181,6 +8161,7 @@
           <a:p>
             <a:fld id="{D57F1E4F-1CFF-5643-939E-217C01CDF565}" type="slidenum">
               <a:rPr lang="en-US" smtClean="0"/>
+              <a:t>‹#›</a:t>
             </a:fld>
             <a:endParaRPr lang="en-US" dirty="0"/>
           </a:p>
@@ -8269,7 +8250,6 @@
               <a:rPr lang="en-US"/>
               <a:t>Edit Master text styles</a:t>
             </a:r>
-            <a:endParaRPr lang="en-US"/>
           </a:p>
           <a:p>
             <a:pPr lvl="1"/>
@@ -8277,7 +8257,6 @@
               <a:rPr lang="en-US"/>
               <a:t>Second level</a:t>
             </a:r>
-            <a:endParaRPr lang="en-US"/>
           </a:p>
           <a:p>
             <a:pPr lvl="2"/>
@@ -8285,7 +8264,6 @@
               <a:rPr lang="en-US"/>
               <a:t>Third level</a:t>
             </a:r>
-            <a:endParaRPr lang="en-US"/>
           </a:p>
           <a:p>
             <a:pPr lvl="3"/>
@@ -8293,7 +8271,6 @@
               <a:rPr lang="en-US"/>
               <a:t>Fourth level</a:t>
             </a:r>
-            <a:endParaRPr lang="en-US"/>
           </a:p>
           <a:p>
             <a:pPr lvl="4"/>
@@ -8332,7 +8309,6 @@
               <a:rPr lang="en-US"/>
               <a:t>Edit Master text styles</a:t>
             </a:r>
-            <a:endParaRPr lang="en-US"/>
           </a:p>
           <a:p>
             <a:pPr lvl="1"/>
@@ -8340,7 +8316,6 @@
               <a:rPr lang="en-US"/>
               <a:t>Second level</a:t>
             </a:r>
-            <a:endParaRPr lang="en-US"/>
           </a:p>
           <a:p>
             <a:pPr lvl="2"/>
@@ -8348,7 +8323,6 @@
               <a:rPr lang="en-US"/>
               <a:t>Third level</a:t>
             </a:r>
-            <a:endParaRPr lang="en-US"/>
           </a:p>
           <a:p>
             <a:pPr lvl="3"/>
@@ -8356,7 +8330,6 @@
               <a:rPr lang="en-US"/>
               <a:t>Fourth level</a:t>
             </a:r>
-            <a:endParaRPr lang="en-US"/>
           </a:p>
           <a:p>
             <a:pPr lvl="4"/>
@@ -8385,6 +8358,7 @@
           <a:p>
             <a:fld id="{3BDB8791-F1B0-41E7-B7FD-A781E65C4266}" type="datetimeFigureOut">
               <a:rPr lang="en-US" smtClean="0"/>
+              <a:t>4/26/2024</a:t>
             </a:fld>
             <a:endParaRPr lang="en-US" dirty="0"/>
           </a:p>
@@ -8426,6 +8400,7 @@
           <a:p>
             <a:fld id="{D57F1E4F-1CFF-5643-939E-217C01CDF565}" type="slidenum">
               <a:rPr lang="en-US" smtClean="0"/>
+              <a:t>‹#›</a:t>
             </a:fld>
             <a:endParaRPr lang="en-US" dirty="0"/>
           </a:p>
@@ -8559,7 +8534,6 @@
               <a:rPr lang="en-US"/>
               <a:t>Edit Master text styles</a:t>
             </a:r>
-            <a:endParaRPr lang="en-US"/>
           </a:p>
         </p:txBody>
       </p:sp>
@@ -8590,7 +8564,6 @@
               <a:rPr lang="en-US"/>
               <a:t>Edit Master text styles</a:t>
             </a:r>
-            <a:endParaRPr lang="en-US"/>
           </a:p>
           <a:p>
             <a:pPr lvl="1"/>
@@ -8598,7 +8571,6 @@
               <a:rPr lang="en-US"/>
               <a:t>Second level</a:t>
             </a:r>
-            <a:endParaRPr lang="en-US"/>
           </a:p>
           <a:p>
             <a:pPr lvl="2"/>
@@ -8606,7 +8578,6 @@
               <a:rPr lang="en-US"/>
               <a:t>Third level</a:t>
             </a:r>
-            <a:endParaRPr lang="en-US"/>
           </a:p>
           <a:p>
             <a:pPr lvl="3"/>
@@ -8614,7 +8585,6 @@
               <a:rPr lang="en-US"/>
               <a:t>Fourth level</a:t>
             </a:r>
-            <a:endParaRPr lang="en-US"/>
           </a:p>
           <a:p>
             <a:pPr lvl="4"/>
@@ -8694,7 +8664,6 @@
               <a:rPr lang="en-US"/>
               <a:t>Edit Master text styles</a:t>
             </a:r>
-            <a:endParaRPr lang="en-US"/>
           </a:p>
         </p:txBody>
       </p:sp>
@@ -8725,7 +8694,6 @@
               <a:rPr lang="en-US"/>
               <a:t>Edit Master text styles</a:t>
             </a:r>
-            <a:endParaRPr lang="en-US"/>
           </a:p>
           <a:p>
             <a:pPr lvl="1"/>
@@ -8733,7 +8701,6 @@
               <a:rPr lang="en-US"/>
               <a:t>Second level</a:t>
             </a:r>
-            <a:endParaRPr lang="en-US"/>
           </a:p>
           <a:p>
             <a:pPr lvl="2"/>
@@ -8741,7 +8708,6 @@
               <a:rPr lang="en-US"/>
               <a:t>Third level</a:t>
             </a:r>
-            <a:endParaRPr lang="en-US"/>
           </a:p>
           <a:p>
             <a:pPr lvl="3"/>
@@ -8749,7 +8715,6 @@
               <a:rPr lang="en-US"/>
               <a:t>Fourth level</a:t>
             </a:r>
-            <a:endParaRPr lang="en-US"/>
           </a:p>
           <a:p>
             <a:pPr lvl="4"/>
@@ -8778,6 +8743,7 @@
           <a:p>
             <a:fld id="{5FDD63B2-E120-4ED8-B27B-C685F510A5FE}" type="datetimeFigureOut">
               <a:rPr lang="en-US" smtClean="0"/>
+              <a:t>4/26/2024</a:t>
             </a:fld>
             <a:endParaRPr lang="en-US" dirty="0"/>
           </a:p>
@@ -8819,6 +8785,7 @@
           <a:p>
             <a:fld id="{D57F1E4F-1CFF-5643-939E-217C01CDF565}" type="slidenum">
               <a:rPr lang="en-US" smtClean="0"/>
+              <a:t>‹#›</a:t>
             </a:fld>
             <a:endParaRPr lang="en-US" dirty="0"/>
           </a:p>
@@ -8897,6 +8864,7 @@
           <a:p>
             <a:fld id="{7AA18ACC-A947-437B-A130-35BD54FDF1E9}" type="datetimeFigureOut">
               <a:rPr lang="en-US" smtClean="0"/>
+              <a:t>4/26/2024</a:t>
             </a:fld>
             <a:endParaRPr lang="en-US" dirty="0"/>
           </a:p>
@@ -8938,6 +8906,7 @@
           <a:p>
             <a:fld id="{D57F1E4F-1CFF-5643-939E-217C01CDF565}" type="slidenum">
               <a:rPr lang="en-US" smtClean="0"/>
+              <a:t>‹#›</a:t>
             </a:fld>
             <a:endParaRPr lang="en-US" dirty="0"/>
           </a:p>
@@ -8985,6 +8954,7 @@
           <a:p>
             <a:fld id="{7C8D7E02-BCB8-4D50-A234-369438C08659}" type="datetimeFigureOut">
               <a:rPr lang="en-US" smtClean="0"/>
+              <a:t>4/26/2024</a:t>
             </a:fld>
             <a:endParaRPr lang="en-US" dirty="0"/>
           </a:p>
@@ -9062,6 +9032,7 @@
           <a:p>
             <a:fld id="{D57F1E4F-1CFF-5643-939E-217C01CDF565}" type="slidenum">
               <a:rPr lang="en-US" smtClean="0"/>
+              <a:t>‹#›</a:t>
             </a:fld>
             <a:endParaRPr lang="en-US" dirty="0"/>
           </a:p>
@@ -9828,7 +9799,6 @@
               <a:rPr lang="en-US"/>
               <a:t>Edit Master text styles</a:t>
             </a:r>
-            <a:endParaRPr lang="en-US"/>
           </a:p>
           <a:p>
             <a:pPr lvl="1"/>
@@ -9836,7 +9806,6 @@
               <a:rPr lang="en-US"/>
               <a:t>Second level</a:t>
             </a:r>
-            <a:endParaRPr lang="en-US"/>
           </a:p>
           <a:p>
             <a:pPr lvl="2"/>
@@ -9844,7 +9813,6 @@
               <a:rPr lang="en-US"/>
               <a:t>Third level</a:t>
             </a:r>
-            <a:endParaRPr lang="en-US"/>
           </a:p>
           <a:p>
             <a:pPr lvl="3"/>
@@ -9852,7 +9820,6 @@
               <a:rPr lang="en-US"/>
               <a:t>Fourth level</a:t>
             </a:r>
-            <a:endParaRPr lang="en-US"/>
           </a:p>
           <a:p>
             <a:pPr lvl="4"/>
@@ -9933,7 +9900,6 @@
               <a:rPr lang="en-US"/>
               <a:t>Edit Master text styles</a:t>
             </a:r>
-            <a:endParaRPr lang="en-US"/>
           </a:p>
         </p:txBody>
       </p:sp>
@@ -9954,6 +9920,7 @@
           <a:p>
             <a:fld id="{76E86A4C-8E40-4F87-A4F0-01A0687C5742}" type="datetimeFigureOut">
               <a:rPr lang="en-US" smtClean="0"/>
+              <a:t>4/26/2024</a:t>
             </a:fld>
             <a:endParaRPr lang="en-US" dirty="0"/>
           </a:p>
@@ -10031,6 +9998,7 @@
           <a:p>
             <a:fld id="{D57F1E4F-1CFF-5643-939E-217C01CDF565}" type="slidenum">
               <a:rPr lang="en-US" smtClean="0"/>
+              <a:t>‹#›</a:t>
             </a:fld>
             <a:endParaRPr lang="en-US" dirty="0"/>
           </a:p>
@@ -10922,7 +10890,6 @@
               <a:rPr lang="en-US"/>
               <a:t>Edit Master text styles</a:t>
             </a:r>
-            <a:endParaRPr lang="en-US"/>
           </a:p>
         </p:txBody>
       </p:sp>
@@ -10943,6 +10910,7 @@
           <a:p>
             <a:fld id="{35E72C73-2D91-4E12-BA25-F0AA0C03599B}" type="datetimeFigureOut">
               <a:rPr lang="en-US" smtClean="0"/>
+              <a:t>4/26/2024</a:t>
             </a:fld>
             <a:endParaRPr lang="en-US" dirty="0"/>
           </a:p>
@@ -11020,6 +10988,7 @@
           <a:p>
             <a:fld id="{D57F1E4F-1CFF-5643-939E-217C01CDF565}" type="slidenum">
               <a:rPr lang="en-US" smtClean="0"/>
+              <a:t>‹#›</a:t>
             </a:fld>
             <a:endParaRPr lang="en-US" dirty="0"/>
           </a:p>
@@ -11039,7 +11008,7 @@
     <p:bg>
       <p:bgPr>
         <a:blipFill dpi="0" rotWithShape="1">
-          <a:blip r:embed="rId18"/>
+          <a:blip r:embed="rId19"/>
           <a:srcRect/>
           <a:tile tx="0" ty="0" sx="100000" sy="100000" flip="none" algn="tl"/>
         </a:blipFill>
@@ -11089,7 +11058,7 @@
               <a:avLst/>
             </a:prstGeom>
             <a:blipFill>
-              <a:blip r:embed="rId19">
+              <a:blip r:embed="rId20">
                 <a:duotone>
                   <a:schemeClr val="dk2">
                     <a:shade val="69000"/>
@@ -11760,7 +11729,6 @@
               <a:rPr lang="en-US"/>
               <a:t>Edit Master text styles</a:t>
             </a:r>
-            <a:endParaRPr lang="en-US"/>
           </a:p>
           <a:p>
             <a:pPr lvl="1"/>
@@ -11768,7 +11736,6 @@
               <a:rPr lang="en-US"/>
               <a:t>Second level</a:t>
             </a:r>
-            <a:endParaRPr lang="en-US"/>
           </a:p>
           <a:p>
             <a:pPr lvl="2"/>
@@ -11776,7 +11743,6 @@
               <a:rPr lang="en-US"/>
               <a:t>Third level</a:t>
             </a:r>
-            <a:endParaRPr lang="en-US"/>
           </a:p>
           <a:p>
             <a:pPr lvl="3"/>
@@ -11784,7 +11750,6 @@
               <a:rPr lang="en-US"/>
               <a:t>Fourth level</a:t>
             </a:r>
-            <a:endParaRPr lang="en-US"/>
           </a:p>
           <a:p>
             <a:pPr lvl="4"/>
@@ -11829,6 +11794,7 @@
           <a:p>
             <a:fld id="{2BE451C3-0FF4-47C4-B829-773ADF60F88C}" type="datetimeFigureOut">
               <a:rPr lang="en-US" smtClean="0"/>
+              <a:t>4/26/2024</a:t>
             </a:fld>
             <a:endParaRPr lang="en-US" dirty="0"/>
           </a:p>
@@ -11938,6 +11904,7 @@
           <a:p>
             <a:fld id="{D57F1E4F-1CFF-5643-939E-217C01CDF565}" type="slidenum">
               <a:rPr lang="en-US" smtClean="0"/>
+              <a:t>‹#›</a:t>
             </a:fld>
             <a:endParaRPr lang="en-US" dirty="0"/>
           </a:p>
@@ -12410,11 +12377,6 @@
               </a:rPr>
               <a:t>AUTOBIOGRAPHY ESSAY PRESENTATION</a:t>
             </a:r>
-            <a:endParaRPr lang="en-US" sz="2800" dirty="0">
-              <a:solidFill>
-                <a:srgbClr val="FFC000"/>
-              </a:solidFill>
-            </a:endParaRPr>
           </a:p>
         </p:txBody>
       </p:sp>
@@ -12452,11 +12414,6 @@
               </a:rPr>
               <a:t>INTRODUCTION</a:t>
             </a:r>
-            <a:endParaRPr lang="en-US" dirty="0">
-              <a:solidFill>
-                <a:schemeClr val="bg1"/>
-              </a:solidFill>
-            </a:endParaRPr>
           </a:p>
           <a:p>
             <a:pPr marL="285750" indent="-285750">
@@ -12471,11 +12428,6 @@
               </a:rPr>
               <a:t>Early life</a:t>
             </a:r>
-            <a:endParaRPr lang="en-US" dirty="0">
-              <a:solidFill>
-                <a:schemeClr val="bg1"/>
-              </a:solidFill>
-            </a:endParaRPr>
           </a:p>
           <a:p>
             <a:pPr marL="285750" indent="-285750">
@@ -12490,11 +12442,6 @@
               </a:rPr>
               <a:t>Growing up </a:t>
             </a:r>
-            <a:endParaRPr lang="en-US" dirty="0">
-              <a:solidFill>
-                <a:schemeClr val="bg1"/>
-              </a:solidFill>
-            </a:endParaRPr>
           </a:p>
           <a:p>
             <a:pPr marL="285750" indent="-285750">
@@ -12509,11 +12456,6 @@
               </a:rPr>
               <a:t>Education and career</a:t>
             </a:r>
-            <a:endParaRPr lang="en-US" dirty="0">
-              <a:solidFill>
-                <a:schemeClr val="bg1"/>
-              </a:solidFill>
-            </a:endParaRPr>
           </a:p>
           <a:p>
             <a:pPr marL="285750" indent="-285750">
@@ -12528,11 +12470,6 @@
               </a:rPr>
               <a:t>Relationships</a:t>
             </a:r>
-            <a:endParaRPr lang="en-US" dirty="0">
-              <a:solidFill>
-                <a:schemeClr val="bg1"/>
-              </a:solidFill>
-            </a:endParaRPr>
           </a:p>
           <a:p>
             <a:pPr marL="285750" indent="-285750">
@@ -12547,11 +12484,6 @@
               </a:rPr>
               <a:t>Life challenges and triumphs</a:t>
             </a:r>
-            <a:endParaRPr lang="en-US" dirty="0">
-              <a:solidFill>
-                <a:schemeClr val="bg1"/>
-              </a:solidFill>
-            </a:endParaRPr>
           </a:p>
           <a:p>
             <a:pPr marL="285750" indent="-285750">
@@ -12566,11 +12498,6 @@
               </a:rPr>
               <a:t>Travel and adventures</a:t>
             </a:r>
-            <a:endParaRPr lang="en-US" dirty="0">
-              <a:solidFill>
-                <a:schemeClr val="bg1"/>
-              </a:solidFill>
-            </a:endParaRPr>
           </a:p>
           <a:p>
             <a:pPr marL="285750" indent="-285750">
@@ -12585,11 +12512,6 @@
               </a:rPr>
               <a:t>Passions and hobbies</a:t>
             </a:r>
-            <a:endParaRPr lang="en-US" dirty="0">
-              <a:solidFill>
-                <a:schemeClr val="bg1"/>
-              </a:solidFill>
-            </a:endParaRPr>
           </a:p>
           <a:p>
             <a:pPr marL="285750" indent="-285750">
@@ -12604,11 +12526,6 @@
               </a:rPr>
               <a:t>Personal believes and values</a:t>
             </a:r>
-            <a:endParaRPr lang="en-US" dirty="0">
-              <a:solidFill>
-                <a:schemeClr val="bg1"/>
-              </a:solidFill>
-            </a:endParaRPr>
           </a:p>
           <a:p>
             <a:pPr marL="285750" indent="-285750">
@@ -12623,11 +12540,6 @@
               </a:rPr>
               <a:t>Looking to the future</a:t>
             </a:r>
-            <a:endParaRPr lang="en-US" dirty="0">
-              <a:solidFill>
-                <a:schemeClr val="bg1"/>
-              </a:solidFill>
-            </a:endParaRPr>
           </a:p>
           <a:p>
             <a:endParaRPr lang="en-US" dirty="0">
@@ -12661,7 +12573,14 @@
         <p:cNvGrpSpPr/>
         <p:nvPr/>
       </p:nvGrpSpPr>
-      <p:grpSpPr/>
+      <p:grpSpPr>
+        <a:xfrm>
+          <a:off x="0" y="0"/>
+          <a:ext cx="0" cy="0"/>
+          <a:chOff x="0" y="0"/>
+          <a:chExt cx="0" cy="0"/>
+        </a:xfrm>
+      </p:grpSpPr>
       <p:sp>
         <p:nvSpPr>
           <p:cNvPr id="2" name="Title 1"/>
@@ -12675,12 +12594,12 @@
         <p:spPr/>
         <p:txBody>
           <a:bodyPr/>
+          <a:lstStyle/>
           <a:p>
             <a:r>
               <a:rPr lang="en-US"/>
               <a:t>RELATIONSHIPS </a:t>
             </a:r>
-            <a:endParaRPr lang="en-US"/>
           </a:p>
         </p:txBody>
       </p:sp>
@@ -12697,42 +12616,69 @@
         <p:spPr/>
         <p:txBody>
           <a:bodyPr>
-            <a:normAutofit lnSpcReduction="10000"/>
+            <a:normAutofit/>
           </a:bodyPr>
-          <a:p>
-            <a:r>
-              <a:rPr lang="en-US"/>
+          <a:lstStyle/>
+          <a:p>
+            <a:r>
+              <a:rPr lang="en-US" dirty="0"/>
               <a:t>I have had cordial relationships which was birthed in me by the loving parents .</a:t>
             </a:r>
-            <a:endParaRPr lang="en-US"/>
-          </a:p>
-          <a:p>
-            <a:r>
-              <a:rPr lang="en-US"/>
-              <a:t>During my early childhood ,i made many friends especially the ones at Willow tree schools .</a:t>
-            </a:r>
-            <a:endParaRPr lang="en-US"/>
-          </a:p>
-          <a:p>
-            <a:r>
-              <a:rPr lang="en-US"/>
-              <a:t>In Particular was a friend by the name Ivy whom i still remember to date . We shared many childhood memories and was just a funny friend one can wish to have .</a:t>
-            </a:r>
-            <a:endParaRPr lang="en-US"/>
-          </a:p>
-          <a:p>
-            <a:r>
-              <a:rPr lang="en-US"/>
-              <a:t>At Nakuru Girls High School , i expanded my friendship circle having been brought up as an extrovert.</a:t>
-            </a:r>
-            <a:endParaRPr lang="en-US"/>
-          </a:p>
-          <a:p>
-            <a:r>
-              <a:rPr lang="en-US"/>
-              <a:t>The most loving and caring friend  i found at University goes by the name ,Catherine .Who happens to be my class representative.</a:t>
-            </a:r>
-            <a:endParaRPr lang="en-US"/>
+          </a:p>
+          <a:p>
+            <a:r>
+              <a:rPr lang="en-US" dirty="0"/>
+              <a:t>During my early childhood ,</a:t>
+            </a:r>
+            <a:r>
+              <a:rPr lang="en-US" dirty="0" err="1"/>
+              <a:t>i</a:t>
+            </a:r>
+            <a:r>
+              <a:rPr lang="en-US" dirty="0"/>
+              <a:t> made many friends especially the ones at Willow tree schools .</a:t>
+            </a:r>
+          </a:p>
+          <a:p>
+            <a:r>
+              <a:rPr lang="en-US" dirty="0"/>
+              <a:t>In Particular was a friend by the name Ivy whom </a:t>
+            </a:r>
+            <a:r>
+              <a:rPr lang="en-US" dirty="0" err="1"/>
+              <a:t>i</a:t>
+            </a:r>
+            <a:r>
+              <a:rPr lang="en-US" dirty="0"/>
+              <a:t> still remember to date . We shared many childhood memories and was just a funny friend one can wish to have .</a:t>
+            </a:r>
+          </a:p>
+          <a:p>
+            <a:r>
+              <a:rPr lang="en-US" dirty="0"/>
+              <a:t>At </a:t>
+            </a:r>
+            <a:r>
+              <a:rPr lang="en-US" dirty="0" smtClean="0"/>
+              <a:t>St Patrick’s High </a:t>
+            </a:r>
+            <a:r>
+              <a:rPr lang="en-US" dirty="0"/>
+              <a:t>School , </a:t>
+            </a:r>
+            <a:r>
+              <a:rPr lang="en-US" dirty="0" smtClean="0"/>
+              <a:t>I expanded </a:t>
+            </a:r>
+            <a:r>
+              <a:rPr lang="en-US" dirty="0"/>
+              <a:t>my friendship circle having been brought up as an extrovert</a:t>
+            </a:r>
+            <a:r>
+              <a:rPr lang="en-US" dirty="0" smtClean="0"/>
+              <a:t>.</a:t>
+            </a:r>
+            <a:endParaRPr lang="en-US" dirty="0"/>
           </a:p>
         </p:txBody>
       </p:sp>
@@ -12753,7 +12699,14 @@
         <p:cNvGrpSpPr/>
         <p:nvPr/>
       </p:nvGrpSpPr>
-      <p:grpSpPr/>
+      <p:grpSpPr>
+        <a:xfrm>
+          <a:off x="0" y="0"/>
+          <a:ext cx="0" cy="0"/>
+          <a:chOff x="0" y="0"/>
+          <a:chExt cx="0" cy="0"/>
+        </a:xfrm>
+      </p:grpSpPr>
       <p:sp>
         <p:nvSpPr>
           <p:cNvPr id="2" name="Title 1"/>
@@ -12767,12 +12720,12 @@
         <p:spPr/>
         <p:txBody>
           <a:bodyPr/>
+          <a:lstStyle/>
           <a:p>
             <a:r>
               <a:rPr lang="en-US"/>
               <a:t>TRAVEL AND ADVENTURES </a:t>
             </a:r>
-            <a:endParaRPr lang="en-US"/>
           </a:p>
         </p:txBody>
       </p:sp>
@@ -12789,33 +12742,70 @@
         <p:spPr/>
         <p:txBody>
           <a:bodyPr/>
-          <a:p>
-            <a:r>
-              <a:rPr lang="en-US"/>
+          <a:lstStyle/>
+          <a:p>
+            <a:r>
+              <a:rPr lang="en-US" dirty="0"/>
               <a:t>Travelling , hikes and adventures is among my hobbies.</a:t>
             </a:r>
-            <a:endParaRPr lang="en-US"/>
-          </a:p>
-          <a:p>
-            <a:r>
-              <a:rPr lang="en-US"/>
+          </a:p>
+          <a:p>
+            <a:r>
+              <a:rPr lang="en-US" dirty="0"/>
               <a:t>During my early life , my parents loved taking our family out on weekends we get to have a look of the beautiful sceneries and landscapes .</a:t>
             </a:r>
-            <a:endParaRPr lang="en-US"/>
-          </a:p>
-          <a:p>
-            <a:r>
-              <a:rPr lang="en-US"/>
-              <a:t>At willow Tree academy , we have had several trips to Lake Naivasha , The rift valley escarpments , L. Nakuru among other places .</a:t>
-            </a:r>
-            <a:endParaRPr lang="en-US"/>
-          </a:p>
-          <a:p>
-            <a:r>
-              <a:rPr lang="en-US"/>
-              <a:t>At high was among the most memorable trips and a visit to state house while i was in form four.</a:t>
-            </a:r>
-            <a:endParaRPr lang="en-US"/>
+          </a:p>
+          <a:p>
+            <a:r>
+              <a:rPr lang="en-US" dirty="0"/>
+              <a:t>At </a:t>
+            </a:r>
+            <a:r>
+              <a:rPr lang="en-US" dirty="0" smtClean="0"/>
+              <a:t>Dayspring Junior academy </a:t>
+            </a:r>
+            <a:r>
+              <a:rPr lang="en-US" dirty="0"/>
+              <a:t>, </a:t>
+            </a:r>
+            <a:r>
+              <a:rPr lang="en-US" dirty="0" smtClean="0"/>
+              <a:t>we had </a:t>
+            </a:r>
+            <a:r>
+              <a:rPr lang="en-US" dirty="0"/>
+              <a:t>several trips to Lake </a:t>
+            </a:r>
+            <a:r>
+              <a:rPr lang="en-US" dirty="0" err="1"/>
+              <a:t>Naivasha</a:t>
+            </a:r>
+            <a:r>
+              <a:rPr lang="en-US" dirty="0"/>
+              <a:t> , The rift valley escarpments , L. </a:t>
+            </a:r>
+            <a:r>
+              <a:rPr lang="en-US" dirty="0" err="1"/>
+              <a:t>Nakuru</a:t>
+            </a:r>
+            <a:r>
+              <a:rPr lang="en-US" dirty="0"/>
+              <a:t> among other places .</a:t>
+            </a:r>
+          </a:p>
+          <a:p>
+            <a:r>
+              <a:rPr lang="en-US" dirty="0"/>
+              <a:t>At high was among the most memorable trips and a visit to state house while </a:t>
+            </a:r>
+            <a:r>
+              <a:rPr lang="en-US" dirty="0" err="1"/>
+              <a:t>i</a:t>
+            </a:r>
+            <a:r>
+              <a:rPr lang="en-US" dirty="0"/>
+              <a:t> was in form four.</a:t>
+            </a:r>
           </a:p>
         </p:txBody>
       </p:sp>
@@ -12836,7 +12826,14 @@
         <p:cNvGrpSpPr/>
         <p:nvPr/>
       </p:nvGrpSpPr>
-      <p:grpSpPr/>
+      <p:grpSpPr>
+        <a:xfrm>
+          <a:off x="0" y="0"/>
+          <a:ext cx="0" cy="0"/>
+          <a:chOff x="0" y="0"/>
+          <a:chExt cx="0" cy="0"/>
+        </a:xfrm>
+      </p:grpSpPr>
       <p:sp>
         <p:nvSpPr>
           <p:cNvPr id="2" name="Title 1"/>
@@ -12850,12 +12847,12 @@
         <p:spPr/>
         <p:txBody>
           <a:bodyPr/>
+          <a:lstStyle/>
           <a:p>
             <a:r>
               <a:rPr lang="en-US"/>
               <a:t>PERSONAL BELIEVES AND VALUES </a:t>
             </a:r>
-            <a:endParaRPr lang="en-US"/>
           </a:p>
         </p:txBody>
       </p:sp>
@@ -12872,6 +12869,7 @@
         <p:spPr/>
         <p:txBody>
           <a:bodyPr/>
+          <a:lstStyle/>
           <a:p>
             <a:pPr>
               <a:buFont typeface="Wingdings" panose="05000000000000000000" charset="0"/>
@@ -12881,7 +12879,6 @@
               <a:rPr lang="en-US"/>
               <a:t>Personal beliefs and values are broad desirable goals that motivate people's actions and serve as guiding principles in their lives.</a:t>
             </a:r>
-            <a:endParaRPr lang="en-US"/>
           </a:p>
           <a:p>
             <a:pPr>
@@ -12892,7 +12889,6 @@
               <a:rPr lang="en-US"/>
               <a:t> They can be connected to values such as authenticity, hard work, dedication or commitment, empathy, creativity, rationality, integrity, honesty, independence, and tolerance.</a:t>
             </a:r>
-            <a:endParaRPr lang="en-US"/>
           </a:p>
           <a:p>
             <a:pPr>
@@ -12903,7 +12899,6 @@
               <a:rPr lang="en-US"/>
               <a:t>Personal values are broad desirable goals that motivate people's actions and serve as guiding principles in their lives.</a:t>
             </a:r>
-            <a:endParaRPr lang="en-US"/>
           </a:p>
           <a:p>
             <a:pPr>
@@ -12914,7 +12909,6 @@
               <a:rPr lang="en-US"/>
               <a:t>I love to do charity work and contributing towards the same.</a:t>
             </a:r>
-            <a:endParaRPr lang="en-US"/>
           </a:p>
           <a:p>
             <a:pPr>
@@ -12925,7 +12919,6 @@
               <a:rPr lang="en-US"/>
               <a:t>I am an openminded person ,generous and flexible.</a:t>
             </a:r>
-            <a:endParaRPr lang="en-US"/>
           </a:p>
         </p:txBody>
       </p:sp>
@@ -12973,7 +12966,6 @@
               <a:rPr lang="en-US" dirty="0"/>
               <a:t>LIFE CHALLENGES AND TRIUMPHS</a:t>
             </a:r>
-            <a:endParaRPr lang="en-US" dirty="0"/>
           </a:p>
         </p:txBody>
       </p:sp>
@@ -12998,28 +12990,24 @@
               <a:rPr lang="en-US" dirty="0"/>
               <a:t>Inadequate finances since I came from a humble middle class back ground which tough me to survive but atleast well off to enable me access quality education in Willow tree schools .</a:t>
             </a:r>
-            <a:endParaRPr lang="en-US" dirty="0"/>
           </a:p>
           <a:p>
             <a:r>
               <a:rPr lang="en-US" dirty="0"/>
               <a:t>Living away from my parents when I was in boarding which prepared me for university life.</a:t>
             </a:r>
-            <a:endParaRPr lang="en-US" dirty="0"/>
           </a:p>
           <a:p>
             <a:r>
               <a:rPr lang="en-US" dirty="0"/>
               <a:t>Did hard labour  such as picking of tea leaves as the region is well known in tea farming and plantations.</a:t>
             </a:r>
-            <a:endParaRPr lang="en-US" dirty="0"/>
           </a:p>
           <a:p>
             <a:r>
               <a:rPr lang="en-US" dirty="0"/>
               <a:t>Had everything i needed at my disposal and it gave me a condusive environment to work hard for my future.</a:t>
             </a:r>
-            <a:endParaRPr lang="en-US" dirty="0"/>
           </a:p>
           <a:p>
             <a:r>
@@ -13088,11 +13076,6 @@
               </a:rPr>
               <a:t>INTRODUCTION</a:t>
             </a:r>
-            <a:endParaRPr lang="en-US" sz="2800" dirty="0">
-              <a:solidFill>
-                <a:schemeClr val="accent3"/>
-              </a:solidFill>
-            </a:endParaRPr>
           </a:p>
         </p:txBody>
       </p:sp>
@@ -13122,7 +13105,6 @@
               <a:rPr lang="en-US" sz="1900" dirty="0"/>
               <a:t>An autobiography is generally a self descriptive essay that one talks about themselves.</a:t>
             </a:r>
-            <a:endParaRPr lang="en-US" sz="1900" dirty="0"/>
           </a:p>
           <a:p>
             <a:pPr>
@@ -13134,7 +13116,6 @@
               <a:rPr lang="en-US" sz="1900" dirty="0"/>
               <a:t>The main factors to talk about are; early life, growing up, education and careers, relationships, education career, life challenges and triumphs, travel and adventures, passions and hobbies, personal beliefs and values and looking to the future.</a:t>
             </a:r>
-            <a:endParaRPr lang="en-US" sz="1900" dirty="0"/>
           </a:p>
           <a:p>
             <a:pPr>
@@ -13146,7 +13127,6 @@
               <a:rPr lang="en-US" sz="1900" dirty="0"/>
               <a:t>Through this process one is able to have good sense of self identity and even understand some patterns  of repetitive events that brought a whole mark change</a:t>
             </a:r>
-            <a:endParaRPr lang="en-US" sz="1900" dirty="0"/>
           </a:p>
           <a:p>
             <a:pPr>
@@ -13158,7 +13138,6 @@
               <a:rPr lang="en-US" sz="1900" dirty="0"/>
               <a:t>An autobiography can also be motivating and bring inspiration to the reader</a:t>
             </a:r>
-            <a:endParaRPr lang="en-US" sz="1900" dirty="0"/>
           </a:p>
           <a:p>
             <a:pPr>
@@ -13170,7 +13149,6 @@
               <a:rPr lang="en-US" sz="1900" dirty="0"/>
               <a:t>Also one can get a good detail understanding of ones life</a:t>
             </a:r>
-            <a:endParaRPr lang="en-US" sz="1900" dirty="0"/>
           </a:p>
           <a:p>
             <a:endParaRPr lang="en-US" dirty="0"/>
@@ -13230,11 +13208,6 @@
               </a:rPr>
               <a:t>INTRODUCTION</a:t>
             </a:r>
-            <a:endParaRPr lang="en-US" sz="2800" dirty="0">
-              <a:solidFill>
-                <a:srgbClr val="FFC000"/>
-              </a:solidFill>
-            </a:endParaRPr>
           </a:p>
         </p:txBody>
       </p:sp>
@@ -13264,7 +13237,39 @@
                   <a:schemeClr val="tx1"/>
                 </a:solidFill>
               </a:rPr>
-              <a:t>My names are Karen Sirimo , a second  born in my family.</a:t>
+              <a:t>My </a:t>
+            </a:r>
+            <a:r>
+              <a:rPr lang="en-US" sz="2400" dirty="0" smtClean="0">
+                <a:solidFill>
+                  <a:schemeClr val="tx1"/>
+                </a:solidFill>
+              </a:rPr>
+              <a:t>name is Emmanuel Nakitare </a:t>
+            </a:r>
+            <a:r>
+              <a:rPr lang="en-US" sz="2400" dirty="0">
+                <a:solidFill>
+                  <a:schemeClr val="tx1"/>
+                </a:solidFill>
+              </a:rPr>
+              <a:t>, a </a:t>
+            </a:r>
+            <a:r>
+              <a:rPr lang="en-US" sz="2400" dirty="0" smtClean="0">
+                <a:solidFill>
+                  <a:schemeClr val="tx1"/>
+                </a:solidFill>
+              </a:rPr>
+              <a:t>first  </a:t>
+            </a:r>
+            <a:r>
+              <a:rPr lang="en-US" sz="2400" dirty="0">
+                <a:solidFill>
+                  <a:schemeClr val="tx1"/>
+                </a:solidFill>
+              </a:rPr>
+              <a:t>born in my family.</a:t>
             </a:r>
             <a:endParaRPr lang="en-US" sz="2400" dirty="0" smtClean="0">
               <a:solidFill>
@@ -13279,13 +13284,48 @@
                   <a:schemeClr val="tx1"/>
                 </a:solidFill>
               </a:rPr>
-              <a:t>Place of Birth : Kabarnet Baringo , The Great Riftvalley, Kenya .</a:t>
-            </a:r>
-            <a:endParaRPr lang="en-US" sz="2400" dirty="0" smtClean="0">
-              <a:solidFill>
-                <a:schemeClr val="tx1"/>
-              </a:solidFill>
-            </a:endParaRPr>
+              <a:t>Place of Birth : </a:t>
+            </a:r>
+            <a:r>
+              <a:rPr lang="en-US" sz="2400" dirty="0" err="1" smtClean="0">
+                <a:solidFill>
+                  <a:schemeClr val="tx1"/>
+                </a:solidFill>
+              </a:rPr>
+              <a:t>Bungoma</a:t>
+            </a:r>
+            <a:r>
+              <a:rPr lang="en-US" sz="2400" dirty="0" smtClean="0">
+                <a:solidFill>
+                  <a:schemeClr val="tx1"/>
+                </a:solidFill>
+              </a:rPr>
+              <a:t> </a:t>
+            </a:r>
+            <a:r>
+              <a:rPr lang="en-US" sz="2400" dirty="0" smtClean="0">
+                <a:solidFill>
+                  <a:schemeClr val="tx1"/>
+                </a:solidFill>
+              </a:rPr>
+              <a:t>, </a:t>
+            </a:r>
+            <a:r>
+              <a:rPr lang="en-US" sz="2400" dirty="0" smtClean="0">
+                <a:solidFill>
+                  <a:schemeClr val="tx1"/>
+                </a:solidFill>
+              </a:rPr>
+              <a:t>western </a:t>
+            </a:r>
+            <a:r>
+              <a:rPr lang="en-US" sz="2400" dirty="0" smtClean="0">
+                <a:solidFill>
+                  <a:schemeClr val="tx1"/>
+                </a:solidFill>
+              </a:rPr>
+              <a:t>Kenya .</a:t>
+            </a:r>
           </a:p>
           <a:p>
             <a:r>
@@ -13296,11 +13336,6 @@
               </a:rPr>
               <a:t>I was born in a family of four   </a:t>
             </a:r>
-            <a:endParaRPr lang="en-US" sz="2400" dirty="0" smtClean="0">
-              <a:solidFill>
-                <a:schemeClr val="tx1"/>
-              </a:solidFill>
-            </a:endParaRPr>
           </a:p>
           <a:p>
             <a:pPr marL="0" indent="0">
@@ -13312,7 +13347,47 @@
                   <a:schemeClr val="tx1"/>
                 </a:solidFill>
               </a:rPr>
-              <a:t>I was born and raised in village set up of Kericho , The Great Riftvalley ,Kenya and grew up in a nuclear family set up</a:t>
+              <a:t>I was born and raised in village set up of </a:t>
+            </a:r>
+            <a:r>
+              <a:rPr lang="en-US" sz="2400" dirty="0" smtClean="0">
+                <a:solidFill>
+                  <a:schemeClr val="tx1"/>
+                </a:solidFill>
+              </a:rPr>
+              <a:t>western Kenya </a:t>
+            </a:r>
+            <a:r>
+              <a:rPr lang="en-US" sz="2400" dirty="0" smtClean="0">
+                <a:solidFill>
+                  <a:schemeClr val="tx1"/>
+                </a:solidFill>
+              </a:rPr>
+              <a:t>, </a:t>
+            </a:r>
+            <a:r>
+              <a:rPr lang="en-US" sz="2400" dirty="0" smtClean="0">
+                <a:solidFill>
+                  <a:schemeClr val="tx1"/>
+                </a:solidFill>
+              </a:rPr>
+              <a:t>and </a:t>
+            </a:r>
+            <a:r>
+              <a:rPr lang="en-US" sz="2400" dirty="0" smtClean="0">
+                <a:solidFill>
+                  <a:schemeClr val="tx1"/>
+                </a:solidFill>
+              </a:rPr>
+              <a:t>grew up in a nuclear family set </a:t>
+            </a:r>
+            <a:r>
+              <a:rPr lang="en-US" sz="2400" dirty="0" smtClean="0">
+                <a:solidFill>
+                  <a:schemeClr val="tx1"/>
+                </a:solidFill>
+              </a:rPr>
+              <a:t>up.</a:t>
             </a:r>
             <a:endParaRPr lang="en-US" sz="2400" dirty="0" smtClean="0">
               <a:solidFill>
@@ -13379,7 +13454,6 @@
               <a:rPr lang="en-US" dirty="0"/>
               <a:t>EARLY LIFE</a:t>
             </a:r>
-            <a:endParaRPr lang="en-US" dirty="0"/>
           </a:p>
         </p:txBody>
       </p:sp>
@@ -13405,9 +13479,16 @@
             </a:pPr>
             <a:r>
               <a:rPr lang="en-US" dirty="0"/>
-              <a:t>I spend my childhood with my friend and family and relatives.</a:t>
-            </a:r>
-            <a:endParaRPr lang="en-US" dirty="0"/>
+              <a:t>I spend my childhood with my </a:t>
+            </a:r>
+            <a:r>
+              <a:rPr lang="en-US" dirty="0" smtClean="0"/>
+              <a:t>friend, family </a:t>
+            </a:r>
+            <a:r>
+              <a:rPr lang="en-US" dirty="0"/>
+              <a:t>and relatives.</a:t>
+            </a:r>
           </a:p>
           <a:p>
             <a:pPr marL="0" indent="0">
@@ -13443,21 +13524,24 @@
             </a:r>
             <a:r>
               <a:rPr lang="en-US" dirty="0" smtClean="0"/>
-              <a:t> as stable food</a:t>
-            </a:r>
+              <a:t> as stable food.</a:t>
+            </a:r>
+          </a:p>
+          <a:p>
+            <a:pPr marL="0" indent="0">
+              <a:buNone/>
+            </a:pPr>
             <a:r>
               <a:rPr lang="en-US" dirty="0" smtClean="0"/>
-              <a:t>.</a:t>
-            </a:r>
-            <a:endParaRPr lang="en-US" dirty="0" smtClean="0"/>
-          </a:p>
-          <a:p>
-            <a:pPr marL="0" indent="0">
-              <a:buNone/>
-            </a:pPr>
+              <a:t>There was a lot of </a:t>
+            </a:r>
             <a:r>
               <a:rPr lang="en-US" dirty="0" smtClean="0"/>
-              <a:t>There was a lot of mangoes plantations and they are into existence to date .Being in plenty assist most people to meet nutritious diet .</a:t>
+              <a:t>avocados </a:t>
+            </a:r>
+            <a:r>
+              <a:rPr lang="en-US" dirty="0" smtClean="0"/>
+              <a:t>plantations and they are into existence to date .Being in plenty assist most people to meet nutritious diet .</a:t>
             </a:r>
             <a:endParaRPr lang="en-US" dirty="0"/>
           </a:p>
@@ -13483,7 +13567,6 @@
               <a:rPr lang="en-US" dirty="0"/>
               <a:t>I come from a Christian family, therefore going to church is mandatory and evening prayer must always be made.</a:t>
             </a:r>
-            <a:endParaRPr lang="en-US" dirty="0"/>
           </a:p>
           <a:p>
             <a:pPr marL="0" indent="0">
@@ -13493,7 +13576,6 @@
               <a:rPr lang="en-US" dirty="0"/>
               <a:t>From the family I come from integrity, respect to elders and harmony is what hold as together as our family culture.</a:t>
             </a:r>
-            <a:endParaRPr lang="en-US" dirty="0"/>
           </a:p>
           <a:p>
             <a:pPr marL="0" indent="0">
@@ -13504,14 +13586,17 @@
               <a:t>I come from </a:t>
             </a:r>
             <a:r>
+              <a:rPr lang="en-US" dirty="0" err="1" smtClean="0"/>
+              <a:t>luhya</a:t>
+            </a:r>
+            <a:r>
               <a:rPr lang="en-US" dirty="0" smtClean="0"/>
-              <a:t>Kalenjin   </a:t>
+              <a:t>  </a:t>
             </a:r>
             <a:r>
               <a:rPr lang="en-US" dirty="0"/>
               <a:t>tribe hence cultural dressing as a family is normally implemented during family functions such as weddings and paying respect to the ancestors.</a:t>
             </a:r>
-            <a:endParaRPr lang="en-US" dirty="0"/>
           </a:p>
           <a:p>
             <a:pPr marL="0" indent="0">
@@ -13565,7 +13650,6 @@
               <a:rPr lang="en-US" dirty="0"/>
               <a:t>GROWING UP</a:t>
             </a:r>
-            <a:endParaRPr lang="en-US" dirty="0"/>
           </a:p>
         </p:txBody>
       </p:sp>
@@ -13596,29 +13680,26 @@
               <a:rPr lang="en-US" dirty="0"/>
               <a:t>because I was well surrounded with friends and sometimes they were restrictions of not leaving home</a:t>
             </a:r>
-            <a:endParaRPr lang="en-US" dirty="0"/>
           </a:p>
           <a:p>
             <a:r>
               <a:rPr lang="en-US" dirty="0"/>
               <a:t>I did my  schooling around home until when I was high school I went boarding</a:t>
             </a:r>
-            <a:endParaRPr lang="en-US" dirty="0"/>
           </a:p>
           <a:p>
             <a:r>
               <a:rPr lang="en-US" dirty="0"/>
-              <a:t>I when I was school I made friends who we played together. My first friend to make was Isaac Kiptoo </a:t>
+              <a:t>I when I was school I made friends who we played together. My first friend to make was Isaac </a:t>
             </a:r>
             <a:r>
               <a:rPr lang="en-US" dirty="0" smtClean="0"/>
-              <a:t> </a:t>
+              <a:t>though </a:t>
             </a:r>
             <a:r>
               <a:rPr lang="en-US" dirty="0"/>
-              <a:t>though after primary we never met.</a:t>
-            </a:r>
-            <a:endParaRPr lang="en-US" dirty="0"/>
+              <a:t>after primary we never met.</a:t>
+            </a:r>
           </a:p>
           <a:p>
             <a:r>
@@ -13633,7 +13714,6 @@
               <a:rPr lang="en-US" dirty="0"/>
               <a:t>as it was less tiresome.</a:t>
             </a:r>
-            <a:endParaRPr lang="en-US" dirty="0"/>
           </a:p>
           <a:p>
             <a:endParaRPr lang="en-US" dirty="0"/>
@@ -13684,7 +13764,6 @@
               <a:rPr lang="en-US" dirty="0"/>
               <a:t>GROWING UP</a:t>
             </a:r>
-            <a:endParaRPr lang="en-US" dirty="0"/>
           </a:p>
         </p:txBody>
       </p:sp>
@@ -13707,14 +13786,12 @@
               <a:rPr lang="en-US" dirty="0"/>
               <a:t>At the age of twelve I begun love reading though I read romantic novel and law fiction story.</a:t>
             </a:r>
-            <a:endParaRPr lang="en-US" dirty="0"/>
           </a:p>
           <a:p>
             <a:r>
               <a:rPr lang="en-US" dirty="0"/>
               <a:t>In my teenage year I was exposed to much hard work around home and less feeding which affected my growth</a:t>
             </a:r>
-            <a:endParaRPr lang="en-US" dirty="0"/>
           </a:p>
           <a:p>
             <a:r>
@@ -13725,7 +13802,6 @@
               <a:rPr lang="en-US" dirty="0" smtClean="0"/>
               <a:t>parents ventured into arable farming partly and working .</a:t>
             </a:r>
-            <a:endParaRPr lang="en-US" dirty="0" smtClean="0"/>
           </a:p>
           <a:p>
             <a:pPr marL="0" indent="0">
@@ -13733,7 +13809,23 @@
             </a:pPr>
             <a:r>
               <a:rPr lang="en-US" dirty="0"/>
-              <a:t>Having the priviledge of being born in a well off family , my academic has been an easy journey with a strong foundation in academy school at Willow tree schools .</a:t>
+              <a:t>Having the priviledge of being born in a well off family , my academic has been an easy journey with a strong foundation in </a:t>
+            </a:r>
+            <a:r>
+              <a:rPr lang="en-US" dirty="0" smtClean="0"/>
+              <a:t>primary </a:t>
+            </a:r>
+            <a:r>
+              <a:rPr lang="en-US" dirty="0"/>
+              <a:t>school at </a:t>
+            </a:r>
+            <a:r>
+              <a:rPr lang="en-US" dirty="0" err="1" smtClean="0"/>
+              <a:t>Daypring</a:t>
+            </a:r>
+            <a:r>
+              <a:rPr lang="en-US" dirty="0" smtClean="0"/>
+              <a:t> junior school.</a:t>
             </a:r>
             <a:endParaRPr lang="en-US" dirty="0"/>
           </a:p>
@@ -13743,9 +13835,24 @@
             </a:pPr>
             <a:r>
               <a:rPr lang="en-US" dirty="0"/>
-              <a:t>Later,joined the prestigious Nakuru Girls High school for my secondary education .</a:t>
-            </a:r>
-            <a:endParaRPr lang="en-US" dirty="0"/>
+              <a:t>Later,joined the </a:t>
+            </a:r>
+            <a:r>
+              <a:rPr lang="en-US" dirty="0" smtClean="0"/>
+              <a:t>once prestigious St. Patrick’s High- </a:t>
+            </a:r>
+            <a:r>
+              <a:rPr lang="en-US" dirty="0" err="1" smtClean="0"/>
+              <a:t>Iten</a:t>
+            </a:r>
+            <a:r>
+              <a:rPr lang="en-US" dirty="0" smtClean="0"/>
+              <a:t> school </a:t>
+            </a:r>
+            <a:r>
+              <a:rPr lang="en-US" dirty="0"/>
+              <a:t>for my secondary education .</a:t>
+            </a:r>
           </a:p>
         </p:txBody>
       </p:sp>
@@ -13793,7 +13900,6 @@
               <a:rPr lang="en-US" dirty="0"/>
               <a:t>GROWING UP-motivation</a:t>
             </a:r>
-            <a:endParaRPr lang="en-US" dirty="0"/>
           </a:p>
         </p:txBody>
       </p:sp>
@@ -13810,37 +13916,29 @@
         <p:spPr/>
         <p:txBody>
           <a:bodyPr>
-            <a:normAutofit lnSpcReduction="20000"/>
+            <a:normAutofit lnSpcReduction="10000"/>
           </a:bodyPr>
           <a:lstStyle/>
           <a:p>
             <a:r>
               <a:rPr lang="en-US" dirty="0"/>
-              <a:t>My dream was always to be </a:t>
+              <a:t>My dream </a:t>
             </a:r>
             <a:r>
               <a:rPr lang="en-US" dirty="0" smtClean="0"/>
-              <a:t>an </a:t>
+              <a:t>had</a:t>
             </a:r>
             <a:r>
               <a:rPr lang="en-US" dirty="0" smtClean="0"/>
-              <a:t>Engineer </a:t>
+              <a:t> always been </a:t>
+            </a:r>
+            <a:r>
+              <a:rPr lang="en-US" dirty="0"/>
+              <a:t>to </a:t>
             </a:r>
             <a:r>
               <a:rPr lang="en-US" dirty="0" smtClean="0"/>
-              <a:t> </a:t>
-            </a:r>
-            <a:r>
-              <a:rPr lang="en-US" dirty="0" smtClean="0"/>
-              <a:t>after </a:t>
-            </a:r>
-            <a:r>
-              <a:rPr lang="en-US" dirty="0"/>
-              <a:t>learning how they </a:t>
-            </a:r>
-            <a:r>
-              <a:rPr lang="en-US" dirty="0" smtClean="0"/>
-              <a:t>design and involve in construction and building of the amazing structures  ,especially power transmission and distribution as my area of interest.</a:t>
+              <a:t>become a doctor as I always had this deep desire to help people. Probably also because my mother passed away due to illness.</a:t>
             </a:r>
             <a:endParaRPr lang="en-US" dirty="0"/>
           </a:p>
@@ -13849,28 +13947,32 @@
               <a:rPr lang="en-US" dirty="0"/>
               <a:t>Though I spent less time with my mother she was my mentor on how strong, charming and caring she was.</a:t>
             </a:r>
-            <a:endParaRPr lang="en-US" dirty="0"/>
           </a:p>
           <a:p>
             <a:r>
               <a:rPr lang="en-US" dirty="0"/>
               <a:t>Growing up my I loved sincerity and integrity and perfection which made me to admire a certain teenage professor of how she gave her speech with a certain integrity and clarity</a:t>
             </a:r>
-            <a:endParaRPr lang="en-US" dirty="0"/>
           </a:p>
           <a:p>
             <a:r>
               <a:rPr lang="en-US" dirty="0"/>
-              <a:t>Coming for a less fortunate background I was determined to change the situation which could only happen when I too my education serious.</a:t>
-            </a:r>
-            <a:endParaRPr lang="en-US" dirty="0"/>
+              <a:t>Coming </a:t>
+            </a:r>
+            <a:r>
+              <a:rPr lang="en-US" dirty="0" smtClean="0"/>
+              <a:t>from </a:t>
+            </a:r>
+            <a:r>
+              <a:rPr lang="en-US" dirty="0"/>
+              <a:t>a less fortunate background I was determined to change the situation which could only happen when I too my education serious.</a:t>
+            </a:r>
           </a:p>
           <a:p>
             <a:r>
               <a:rPr lang="en-US" dirty="0"/>
               <a:t>I grew up competitive not  only in studies but also in things of life</a:t>
             </a:r>
-            <a:endParaRPr lang="en-US" dirty="0"/>
           </a:p>
         </p:txBody>
       </p:sp>
@@ -13918,7 +14020,6 @@
               <a:rPr lang="en-US" dirty="0"/>
               <a:t>EDUCATION AND CAREER</a:t>
             </a:r>
-            <a:endParaRPr lang="en-US" dirty="0"/>
           </a:p>
         </p:txBody>
       </p:sp>
@@ -13935,7 +14036,7 @@
         <p:spPr/>
         <p:txBody>
           <a:bodyPr>
-            <a:normAutofit fontScale="92500" lnSpcReduction="10000"/>
+            <a:normAutofit lnSpcReduction="10000"/>
           </a:bodyPr>
           <a:lstStyle/>
           <a:p>
@@ -13950,7 +14051,6 @@
               <a:rPr lang="en-US" dirty="0"/>
               <a:t>JOURNEY</a:t>
             </a:r>
-            <a:endParaRPr lang="en-US" dirty="0"/>
           </a:p>
           <a:p>
             <a:r>
@@ -13966,11 +14066,15 @@
           <a:p>
             <a:r>
               <a:rPr lang="en-US" dirty="0"/>
-              <a:t>I began primary school at Willow Tree schools </a:t>
+              <a:t>I began primary school at </a:t>
             </a:r>
             <a:r>
               <a:rPr lang="en-US" dirty="0" smtClean="0"/>
-              <a:t> from  class 1- class 8 from 2007 </a:t>
+              <a:t>Dayspring Junior schools  </a:t>
+            </a:r>
+            <a:r>
+              <a:rPr lang="en-US" dirty="0" smtClean="0"/>
+              <a:t>from  class 1- class 8 from 2007 </a:t>
             </a:r>
             <a:r>
               <a:rPr lang="en-US" dirty="0"/>
@@ -13989,11 +14093,23 @@
             </a:r>
             <a:r>
               <a:rPr lang="en-US" dirty="0" smtClean="0"/>
-              <a:t>at Nakuru Girls High  </a:t>
+              <a:t>at </a:t>
             </a:r>
             <a:r>
               <a:rPr lang="en-US" dirty="0" smtClean="0"/>
-              <a:t>School  </a:t>
+              <a:t>St. </a:t>
+            </a:r>
+            <a:r>
+              <a:rPr lang="en-US" dirty="0" smtClean="0"/>
+              <a:t>Patrick’s</a:t>
+            </a:r>
+            <a:r>
+              <a:rPr lang="en-US" dirty="0" smtClean="0"/>
+              <a:t> </a:t>
+            </a:r>
+            <a:r>
+              <a:rPr lang="en-US" dirty="0" smtClean="0"/>
+              <a:t>High  School  </a:t>
             </a:r>
             <a:r>
               <a:rPr lang="en-US" dirty="0"/>
@@ -14009,49 +14125,52 @@
             </a:r>
             <a:r>
               <a:rPr lang="en-US" dirty="0" smtClean="0"/>
-              <a:t>2019, where I scored a A- </a:t>
+              <a:t>2019, where I scored a </a:t>
             </a:r>
             <a:r>
               <a:rPr lang="en-US" dirty="0" smtClean="0"/>
-              <a:t> </a:t>
+              <a:t>B+ having </a:t>
             </a:r>
             <a:r>
               <a:rPr lang="en-US" dirty="0" smtClean="0"/>
-              <a:t>of  76 </a:t>
+              <a:t>sat for my Kenya Certificate of Secondary education (KCSE).</a:t>
+            </a:r>
+            <a:endParaRPr lang="en-US" dirty="0"/>
+          </a:p>
+          <a:p>
+            <a:r>
+              <a:rPr lang="en-US" dirty="0"/>
+              <a:t>Now am in university pursuing Bachelor of science in </a:t>
             </a:r>
             <a:r>
               <a:rPr lang="en-US" dirty="0" smtClean="0"/>
-              <a:t>points </a:t>
+              <a:t>computer science   </a:t>
             </a:r>
             <a:r>
               <a:rPr lang="en-US" dirty="0" smtClean="0"/>
-              <a:t>having sat for my Kenya Certificate of Secondary education (KCSE).</a:t>
-            </a:r>
-            <a:endParaRPr lang="en-US" dirty="0"/>
-          </a:p>
-          <a:p>
-            <a:r>
-              <a:rPr lang="en-US" dirty="0"/>
-              <a:t>Now am in university pursuing Bachelor of science in Telecommunication and information Technology </a:t>
-            </a:r>
-            <a:r>
-              <a:rPr lang="en-US" dirty="0" smtClean="0"/>
-              <a:t>  for four  </a:t>
+              <a:t>for four  </a:t>
             </a:r>
             <a:r>
               <a:rPr lang="en-US" dirty="0"/>
               <a:t>years in Dedan Kimathi University of Technology.</a:t>
             </a:r>
-            <a:endParaRPr lang="en-US" dirty="0"/>
           </a:p>
           <a:p>
             <a:r>
               <a:rPr lang="en-US" dirty="0"/>
-              <a:t>I began my university study from 2020 which will end in </a:t>
+              <a:t>I began my university </a:t>
             </a:r>
             <a:r>
               <a:rPr lang="en-US" dirty="0" smtClean="0"/>
-              <a:t>2025.</a:t>
+              <a:t>studies </a:t>
+            </a:r>
+            <a:r>
+              <a:rPr lang="en-US" dirty="0"/>
+              <a:t>from 2020 which will end in </a:t>
+            </a:r>
+            <a:r>
+              <a:rPr lang="en-US" dirty="0" smtClean="0"/>
+              <a:t>2024.</a:t>
             </a:r>
             <a:endParaRPr lang="en-US" dirty="0"/>
           </a:p>
@@ -14101,7 +14220,6 @@
               <a:rPr lang="en-US" dirty="0"/>
               <a:t>EDUCATION AND CAREER.</a:t>
             </a:r>
-            <a:endParaRPr lang="en-US" dirty="0"/>
           </a:p>
         </p:txBody>
       </p:sp>
@@ -14124,14 +14242,12 @@
               <a:rPr lang="en-US" dirty="0"/>
               <a:t>LESSONS AND SETBACKS IN CAREER</a:t>
             </a:r>
-            <a:endParaRPr lang="en-US" dirty="0"/>
           </a:p>
           <a:p>
             <a:r>
               <a:rPr lang="en-US" dirty="0"/>
               <a:t>I though the whole journey of education I have seen it as platform not only to educate people but also that bring people together.</a:t>
             </a:r>
-            <a:endParaRPr lang="en-US" dirty="0"/>
           </a:p>
           <a:p>
             <a:r>
@@ -14146,21 +14262,18 @@
               <a:rPr lang="en-US" dirty="0"/>
               <a:t>also area adventure</a:t>
             </a:r>
-            <a:endParaRPr lang="en-US" dirty="0"/>
           </a:p>
           <a:p>
             <a:r>
               <a:rPr lang="en-US" dirty="0"/>
               <a:t>The challenge is just hoe one affords to pay for the whole journey and also meeting with serious deadline set by the teachers.</a:t>
             </a:r>
-            <a:endParaRPr lang="en-US" dirty="0"/>
           </a:p>
           <a:p>
             <a:r>
               <a:rPr lang="en-US" dirty="0"/>
               <a:t>I have learnt how perfection is key in ones career journey. Though human is to error, practice makes perfect hence education is just practicing what you learn before applying it in the real world</a:t>
             </a:r>
-            <a:endParaRPr lang="en-US" dirty="0"/>
           </a:p>
         </p:txBody>
       </p:sp>
@@ -14430,6 +14543,8 @@
       </a:bgFillStyleLst>
     </a:fmtScheme>
   </a:themeElements>
+  <a:objectDefaults/>
+  <a:extraClrSchemeLst/>
   <a:extLst>
     <a:ext uri="{05A4C25C-085E-4340-85A3-A5531E510DB2}">
       <thm15:themeFamily xmlns:thm15="http://schemas.microsoft.com/office/thememl/2012/main" name="Office Theme" id="{62F939B6-93AF-4DB8-9C6B-D6C7DFDC589F}" vid="{4A3C46E8-61CC-4603-A589-7422A47A8E4A}"/>
